--- a/slide.pptx
+++ b/slide.pptx
@@ -5,7 +5,7 @@
     <p:sldMasterId id="2147483648" r:id="rId1"/>
   </p:sldMasterIdLst>
   <p:notesMasterIdLst>
-    <p:NotesMasterId r:id="rId29"/>
+    <p:NotesMasterId r:id="rId28"/>
   </p:notesMasterIdLst>
   <p:sldIdLst>
     <p:sldId id="256" r:id="rId2"/>
@@ -34,7 +34,6 @@
     <p:sldId id="279" r:id="rId25"/>
     <p:sldId id="280" r:id="rId26"/>
     <p:sldId id="281" r:id="rId27"/>
-    <p:sldId id="282" r:id="rId28"/>
   </p:sldIdLst>
   <p:sldSz cx="9144000" cy="6858000" type="screen4x3"/>
   <p:notesSz cx="6858000" cy="9144000"/>
@@ -551,7 +550,7 @@
             </a:pPr>
             <a:r>
               <a:rPr/>
-              <a:t>自己紹介です。妻と子供2人の4人家族です。</a:t>
+              <a:t>自己紹介です。</a:t>
             </a:r>
             <a:r>
               <a:rPr/>
@@ -560,6 +559,22 @@
             <a:r>
               <a:rPr/>
               <a:t>漫画を読むのが好きです。</a:t>
+            </a:r>
+            <a:r>
+              <a:rPr/>
+              <a:t> </a:t>
+            </a:r>
+            <a:r>
+              <a:rPr/>
+              <a:t>skip</a:t>
+            </a:r>
+            <a:r>
+              <a:rPr/>
+              <a:t> </a:t>
+            </a:r>
+            <a:r>
+              <a:rPr/>
+              <a:t>妻と子供2人の4人家族です。</a:t>
             </a:r>
             <a:r>
               <a:rPr/>
@@ -1131,61 +1146,7 @@
             </a:pPr>
             <a:r>
               <a:rPr/>
-              <a:t>skip</a:t>
-            </a:r>
-            <a:r>
-              <a:rPr/>
-              <a:t> </a:t>
-            </a:r>
-            <a:r>
-              <a:rPr/>
-              <a:t>個人用クレジットカードを解約したあとの、個人用に欲しいものを買うときは次なやり方になりました。</a:t>
-            </a:r>
-            <a:r>
-              <a:rPr/>
-              <a:t> </a:t>
-            </a:r>
-            <a:r>
-              <a:rPr/>
-              <a:t>物理店舗では現金で購入します。</a:t>
-            </a:r>
-            <a:r>
-              <a:rPr/>
-              <a:t> </a:t>
-            </a:r>
-            <a:r>
-              <a:rPr/>
-              <a:t>AmazonやGoogle</a:t>
-            </a:r>
-            <a:r>
-              <a:rPr/>
-              <a:t> </a:t>
-            </a:r>
-            <a:r>
-              <a:rPr/>
-              <a:t>Playでの買い物は、コンビニでギフトカードを必要な分だけ購入します。</a:t>
-            </a:r>
-            <a:r>
-              <a:rPr/>
-              <a:t> </a:t>
-            </a:r>
-            <a:r>
-              <a:rPr/>
-              <a:t>ギフトカードが使えないWebサービスでの買い物は、妻に許諾を得て家族用クレジットカードで購入します。そのあと、家族用の口座に現金を入金します。</a:t>
-            </a:r>
-          </a:p>
-          <a:p>
-            <a:pPr lvl="0" marL="0" indent="0">
-              <a:buNone/>
-            </a:pPr>
-          </a:p>
-          <a:p>
-            <a:pPr lvl="0" marL="0" indent="0">
-              <a:buNone/>
-            </a:pPr>
-            <a:r>
-              <a:rPr/>
-              <a:t>家族用クレジットカードは利用できるので、生活に支障は出ませんでした。</a:t>
+              <a:t>3:00</a:t>
             </a:r>
           </a:p>
         </p:txBody>
@@ -1207,7 +1168,7 @@
           <a:p>
             <a:fld id="{18BDFEC3-8487-43E8-A154-7C12CBC1FFF2}" type="slidenum">
               <a:rPr lang="en-US"/>
-              <a:t>18</a:t>
+              <a:t>17</a:t>
             </a:fld>
             <a:endParaRPr lang="en-US"/>
           </a:p>
@@ -1267,7 +1228,7 @@
             </a:pPr>
             <a:r>
               <a:rPr/>
-              <a:t>個人用クレジットカードを解約したあとは、漫画の続きが気になってもギフトカードの残高がないため購入できません。</a:t>
+              <a:t>skip</a:t>
             </a:r>
             <a:r>
               <a:rPr/>
@@ -1275,7 +1236,7 @@
             </a:r>
             <a:r>
               <a:rPr/>
-              <a:t>なので、強制的に諦めることができます。</a:t>
+              <a:t>個人用クレジットカードを解約したあとの、個人用に欲しいものを買うときは次なやり方になりました。</a:t>
             </a:r>
             <a:r>
               <a:rPr/>
@@ -1283,7 +1244,7 @@
             </a:r>
             <a:r>
               <a:rPr/>
-              <a:t>次の日は、意外にも漫画の続きは気にならなくなります。</a:t>
+              <a:t>物理店舗では現金で購入します。</a:t>
             </a:r>
             <a:r>
               <a:rPr/>
@@ -1291,7 +1252,37 @@
             </a:r>
             <a:r>
               <a:rPr/>
-              <a:t>もし次の日にギフトカードを買ってでも購入したい漫画は、きっと本当に欲しい漫画なので、後悔しないでしょう。このような買い物は許容することにします。</a:t>
+              <a:t>AmazonやGoogle</a:t>
+            </a:r>
+            <a:r>
+              <a:rPr/>
+              <a:t> </a:t>
+            </a:r>
+            <a:r>
+              <a:rPr/>
+              <a:t>Playでの買い物は、コンビニでギフトカードを必要な分だけ購入します。</a:t>
+            </a:r>
+            <a:r>
+              <a:rPr/>
+              <a:t> </a:t>
+            </a:r>
+            <a:r>
+              <a:rPr/>
+              <a:t>ギフトカードが使えないWebサービスでの買い物は、妻に許諾を得て家族用クレジットカードで購入します。そのあと、家族用の口座に現金を入金します。</a:t>
+            </a:r>
+          </a:p>
+          <a:p>
+            <a:pPr lvl="0" marL="0" indent="0">
+              <a:buNone/>
+            </a:pPr>
+          </a:p>
+          <a:p>
+            <a:pPr lvl="0" marL="0" indent="0">
+              <a:buNone/>
+            </a:pPr>
+            <a:r>
+              <a:rPr/>
+              <a:t>家族用クレジットカードは利用できるので、生活に支障は出ませんでした。</a:t>
             </a:r>
           </a:p>
         </p:txBody>
@@ -1313,7 +1304,7 @@
           <a:p>
             <a:fld id="{18BDFEC3-8487-43E8-A154-7C12CBC1FFF2}" type="slidenum">
               <a:rPr lang="en-US"/>
-              <a:t>19</a:t>
+              <a:t>18</a:t>
             </a:fld>
             <a:endParaRPr lang="en-US"/>
           </a:p>
@@ -1373,7 +1364,7 @@
             </a:pPr>
             <a:r>
               <a:rPr/>
-              <a:t>個人用クレジットカードを解約したあとの気持ちですが、精神的に楽になりました。</a:t>
+              <a:t>個人用クレジットカードを解約したあとは、漫画の続きが気になってもギフトカードの残高がないため購入できません。</a:t>
             </a:r>
             <a:r>
               <a:rPr/>
@@ -1381,7 +1372,7 @@
             </a:r>
             <a:r>
               <a:rPr/>
-              <a:t>「本当は買わない方がよいけど、続きが気になるから買いたい」という葛藤がなくなり、「衝動買いしてしまった」という後悔がなくなったためだと思います。</a:t>
+              <a:t>なので、強制的に諦めることができました。</a:t>
             </a:r>
             <a:r>
               <a:rPr/>
@@ -1389,7 +1380,7 @@
             </a:r>
             <a:r>
               <a:rPr/>
-              <a:t>ただし、解約した直後は「みんなが当たり前に使っているクレジットカードを、なぜ私はコントロールできないのだろうか」という劣等感を感じました。</a:t>
+              <a:t>次の日は、意外にも漫画の続きは気にならなくなりました。</a:t>
             </a:r>
             <a:r>
               <a:rPr/>
@@ -1397,7 +1388,7 @@
             </a:r>
             <a:r>
               <a:rPr/>
-              <a:t>この劣等感に対しては、次のように考えるようにして対策しました。</a:t>
+              <a:t>skip</a:t>
             </a:r>
             <a:r>
               <a:rPr/>
@@ -1405,15 +1396,7 @@
             </a:r>
             <a:r>
               <a:rPr/>
-              <a:t>1つ目は「私はクレジットカードをコントロールできない意志が弱い人間です」と開き直るようにしました。</a:t>
-            </a:r>
-            <a:r>
-              <a:rPr/>
-              <a:t> </a:t>
-            </a:r>
-            <a:r>
-              <a:rPr/>
-              <a:t>2つ目は「私に衝動買いさせるのは、漫画が魅力的だからだ。この魅力に私は抗うことができない。」と他責で考えるようにしました。</a:t>
+              <a:t>もし次の日にギフトカードを買ってでも購入したい漫画は、きっと本当に欲しい漫画なので、後悔しないでしょう。このような買い物は許容することにします。</a:t>
             </a:r>
           </a:p>
         </p:txBody>
@@ -1435,7 +1418,7 @@
           <a:p>
             <a:fld id="{18BDFEC3-8487-43E8-A154-7C12CBC1FFF2}" type="slidenum">
               <a:rPr lang="en-US"/>
-              <a:t>20</a:t>
+              <a:t>19</a:t>
             </a:fld>
             <a:endParaRPr lang="en-US"/>
           </a:p>
@@ -1495,7 +1478,7 @@
             </a:pPr>
             <a:r>
               <a:rPr/>
-              <a:t>個人用クレジットカードを解約することで、なぜ私は衝動買いを防ぐことができたのでしょうか？</a:t>
+              <a:t>個人用クレジットカードを解約後は、精神的に楽になりました。</a:t>
             </a:r>
             <a:r>
               <a:rPr/>
@@ -1503,21 +1486,7 @@
             </a:r>
             <a:r>
               <a:rPr/>
-              <a:t>その要因を考えてみました。</a:t>
-            </a:r>
-          </a:p>
-          <a:p>
-            <a:pPr lvl="0" marL="0" indent="0">
-              <a:buNone/>
-            </a:pPr>
-          </a:p>
-          <a:p>
-            <a:pPr lvl="0" marL="0" indent="0">
-              <a:buNone/>
-            </a:pPr>
-            <a:r>
-              <a:rPr/>
-              <a:t>1つ目は、ギフトカードを必要な分しか購入していないことです。たとえば常に1万円分の残高がある状態だと、衝動買いは防げなかったと思います。</a:t>
+              <a:t>「本当は買わない方がよいけど、続きが気になるから買いたい」という葛藤がなくなり、「衝動買いしてしまった」という後悔がなくなったためだと思います。</a:t>
             </a:r>
             <a:r>
               <a:rPr/>
@@ -1525,7 +1494,7 @@
             </a:r>
             <a:r>
               <a:rPr/>
-              <a:t>2つ目は、コンビニが我が家の近くになかったことです。徒歩5分圏内にコンビニがあったら、夜中にこっそりコンビニに行ってギフトカードを買っていたかもしれません。</a:t>
+              <a:t>ただし、解約した直後は「みんなが当たり前に使っているクレジットカードを、なぜ私はコントロールできないのだろうか」という劣等感を感じました。</a:t>
             </a:r>
             <a:r>
               <a:rPr/>
@@ -1533,7 +1502,15 @@
             </a:r>
             <a:r>
               <a:rPr/>
-              <a:t>3つ目は、家族用クレジットカードがあるため、生活に支障が出なかったことです。独身だった場合、クレジットカードを解約すると生活に支障が出て、クレジットカードを再契約したかもしれません。</a:t>
+              <a:t>この劣等感に対しては、</a:t>
+            </a:r>
+            <a:r>
+              <a:rPr/>
+              <a:t> </a:t>
+            </a:r>
+            <a:r>
+              <a:rPr/>
+              <a:t>「私に衝動買いさせるのは、漫画が魅力的だからだ。私には抗うことはできない。」と考えて劣等感から逃げるようにしました。</a:t>
             </a:r>
           </a:p>
         </p:txBody>
@@ -1555,7 +1532,7 @@
           <a:p>
             <a:fld id="{18BDFEC3-8487-43E8-A154-7C12CBC1FFF2}" type="slidenum">
               <a:rPr lang="en-US"/>
-              <a:t>21</a:t>
+              <a:t>20</a:t>
             </a:fld>
             <a:endParaRPr lang="en-US"/>
           </a:p>
@@ -1615,7 +1592,21 @@
             </a:pPr>
             <a:r>
               <a:rPr/>
-              <a:t>まとめです。</a:t>
+              <a:t>04:30</a:t>
+            </a:r>
+          </a:p>
+          <a:p>
+            <a:pPr lvl="0" marL="0" indent="0">
+              <a:buNone/>
+            </a:pPr>
+          </a:p>
+          <a:p>
+            <a:pPr lvl="0" marL="0" indent="0">
+              <a:buNone/>
+            </a:pPr>
+            <a:r>
+              <a:rPr/>
+              <a:t>個人用クレジットカードを解約することで、なぜ私は衝動買いを防ぐことができたのでしょうか？</a:t>
             </a:r>
             <a:r>
               <a:rPr/>
@@ -1623,7 +1614,37 @@
             </a:r>
             <a:r>
               <a:rPr/>
-              <a:t>個人用クレジットカードを解約したことで、Kindle漫画の買い過ぎを防ぐことができました。</a:t>
+              <a:t>その要因を考えてみました。</a:t>
+            </a:r>
+          </a:p>
+          <a:p>
+            <a:pPr lvl="0" marL="0" indent="0">
+              <a:buNone/>
+            </a:pPr>
+          </a:p>
+          <a:p>
+            <a:pPr lvl="0" marL="0" indent="0">
+              <a:buNone/>
+            </a:pPr>
+            <a:r>
+              <a:rPr/>
+              <a:t>1つ目は、ギフトカードを必要な分しか購入していないことです。たとえば常に1万円分の残高がある状態だと、衝動買いは防げなかったと思います。</a:t>
+            </a:r>
+            <a:r>
+              <a:rPr/>
+              <a:t> </a:t>
+            </a:r>
+            <a:r>
+              <a:rPr/>
+              <a:t>2つ目は、コンビニが我が家の近くになかったことです。徒歩5分圏内にコンビニがあったら、夜中にこっそりコンビニに行ってギフトカードを買っていたかもしれません。</a:t>
+            </a:r>
+            <a:r>
+              <a:rPr/>
+              <a:t> </a:t>
+            </a:r>
+            <a:r>
+              <a:rPr/>
+              <a:t>3つ目は、家族用クレジットカードがあるため、生活に支障が出なかったことです。独身だった場合、クレジットカードを解約すると生活に支障が出て、クレジットカードを再契約したかもしれません。</a:t>
             </a:r>
           </a:p>
         </p:txBody>
@@ -1645,7 +1666,7 @@
           <a:p>
             <a:fld id="{18BDFEC3-8487-43E8-A154-7C12CBC1FFF2}" type="slidenum">
               <a:rPr lang="en-US"/>
-              <a:t>22</a:t>
+              <a:t>21</a:t>
             </a:fld>
             <a:endParaRPr lang="en-US"/>
           </a:p>
@@ -1746,6 +1767,96 @@
 </p:notes>
 </file>
 
+<file path=ppt/notesSlides/notesSlide20.xml><?xml version="1.0" encoding="utf-8"?>
+<p:notes xmlns:a="http://schemas.openxmlformats.org/drawingml/2006/main" xmlns:r="http://schemas.openxmlformats.org/officeDocument/2006/relationships" xmlns:p="http://schemas.openxmlformats.org/presentationml/2006/main">
+  <p:cSld>
+    <p:spTree>
+      <p:nvGrpSpPr>
+        <p:cNvPr id="1" name=""/>
+        <p:cNvGrpSpPr/>
+        <p:nvPr/>
+      </p:nvGrpSpPr>
+      <p:grpSpPr>
+        <a:xfrm>
+          <a:off x="0" y="0"/>
+          <a:ext cx="0" cy="0"/>
+          <a:chOff x="0" y="0"/>
+          <a:chExt cx="0" cy="0"/>
+        </a:xfrm>
+      </p:grpSpPr>
+      <p:sp>
+        <p:nvSpPr>
+          <p:cNvPr id="2" name="Slide Image Placeholder 1"/>
+          <p:cNvSpPr>
+            <a:spLocks noGrp="1" noRot="1" noChangeAspect="1"/>
+          </p:cNvSpPr>
+          <p:nvPr>
+            <p:ph type="sldImg"/>
+          </p:nvPr>
+        </p:nvSpPr>
+        <p:spPr/>
+      </p:sp>
+      <p:sp>
+        <p:nvSpPr>
+          <p:cNvPr id="3" name="Notes Placeholder 2"/>
+          <p:cNvSpPr>
+            <a:spLocks noGrp="1"/>
+          </p:cNvSpPr>
+          <p:nvPr>
+            <p:ph type="body" idx="1"/>
+          </p:nvPr>
+        </p:nvSpPr>
+        <p:spPr/>
+        <p:txBody>
+          <a:bodyPr/>
+          <a:lstStyle/>
+          <a:p>
+            <a:pPr lvl="0" marL="0" indent="0">
+              <a:buNone/>
+            </a:pPr>
+            <a:r>
+              <a:rPr/>
+              <a:t>まとめです。</a:t>
+            </a:r>
+            <a:r>
+              <a:rPr/>
+              <a:t> </a:t>
+            </a:r>
+            <a:r>
+              <a:rPr/>
+              <a:t>個人用クレジットカードを解約したことで、Kindle漫画の買い過ぎを防ぐことができました。</a:t>
+            </a:r>
+          </a:p>
+        </p:txBody>
+      </p:sp>
+      <p:sp>
+        <p:nvSpPr>
+          <p:cNvPr id="4" name="Slide Number Placeholder 3"/>
+          <p:cNvSpPr>
+            <a:spLocks noGrp="1"/>
+          </p:cNvSpPr>
+          <p:nvPr>
+            <p:ph type="sldNum" sz="quarter" idx="10"/>
+          </p:nvPr>
+        </p:nvSpPr>
+        <p:spPr/>
+        <p:txBody>
+          <a:bodyPr/>
+          <a:lstStyle/>
+          <a:p>
+            <a:fld id="{18BDFEC3-8487-43E8-A154-7C12CBC1FFF2}" type="slidenum">
+              <a:rPr lang="en-US"/>
+              <a:t>22</a:t>
+            </a:fld>
+            <a:endParaRPr lang="en-US"/>
+          </a:p>
+        </p:txBody>
+      </p:sp>
+    </p:spTree>
+  </p:cSld>
+</p:notes>
+</file>
+
 <file path=ppt/notesSlides/notesSlide3.xml><?xml version="1.0" encoding="utf-8"?>
 <p:notes xmlns:a="http://schemas.openxmlformats.org/drawingml/2006/main" xmlns:r="http://schemas.openxmlformats.org/officeDocument/2006/relationships" xmlns:p="http://schemas.openxmlformats.org/presentationml/2006/main">
   <p:cSld>
@@ -2425,7 +2536,7 @@
             </a:pPr>
             <a:r>
               <a:rPr/>
-              <a:t>3:00</a:t>
+              <a:t>1:40</a:t>
             </a:r>
           </a:p>
         </p:txBody>
@@ -6439,21 +6550,21 @@
             <a:pPr lvl="1"/>
             <a:r>
               <a:rPr/>
+              <a:t>漫画を読むのが好き</a:t>
+            </a:r>
+          </a:p>
+          <a:p>
+            <a:pPr lvl="2"/>
+            <a:r>
+              <a:rPr/>
+              <a:t>2018年10月から物理本の購入をやめてKindle本を購入するようになった</a:t>
+            </a:r>
+          </a:p>
+          <a:p>
+            <a:pPr lvl="1"/>
+            <a:r>
+              <a:rPr/>
               <a:t>妻、子供2人（3歳, 1歳）の4人家族</a:t>
-            </a:r>
-          </a:p>
-          <a:p>
-            <a:pPr lvl="1"/>
-            <a:r>
-              <a:rPr/>
-              <a:t>漫画を読むのが好き</a:t>
-            </a:r>
-          </a:p>
-          <a:p>
-            <a:pPr lvl="2"/>
-            <a:r>
-              <a:rPr/>
-              <a:t>2018年10月から物理本の購入をやめてKindle本を購入するようになった</a:t>
             </a:r>
           </a:p>
           <a:p>
@@ -6572,14 +6683,7 @@
             <a:pPr lvl="2"/>
             <a:r>
               <a:rPr/>
-              <a:t>対策：「私はクレジットカードをコントロールできない意志が弱い人間です」と開き直った</a:t>
-            </a:r>
-          </a:p>
-          <a:p>
-            <a:pPr lvl="2"/>
-            <a:r>
-              <a:rPr/>
-              <a:t>対策：「私に衝動買いさせるのは、漫画が魅力的だから」と他責で考えた</a:t>
+              <a:t>「私に衝動買いさせるのは、漫画が魅力的だからだ。私には抗うことはできない。」と考えて劣等感から逃げるようにした。</a:t>
             </a:r>
           </a:p>
         </p:txBody>
@@ -6848,7 +6952,53 @@
             </a:pPr>
             <a:r>
               <a:rPr/>
-              <a:t>Kindle漫画の購入履歴データをGitHubに置いた</a:t>
+              <a:t>元通りになるきっかけ</a:t>
+            </a:r>
+          </a:p>
+        </p:txBody>
+      </p:sp>
+      <p:sp>
+        <p:nvSpPr>
+          <p:cNvPr id="3" name="Content Placeholder 2"/>
+          <p:cNvSpPr>
+            <a:spLocks noGrp="1"/>
+          </p:cNvSpPr>
+          <p:nvPr>
+            <p:ph idx="1"/>
+          </p:nvPr>
+        </p:nvSpPr>
+        <p:spPr/>
+        <p:txBody>
+          <a:bodyPr/>
+          <a:lstStyle/>
+          <a:p>
+            <a:pPr lvl="0" marL="0" indent="0">
+              <a:buNone/>
+            </a:pPr>
+            <a:r>
+              <a:rPr/>
+              <a:t>以下のようなことが起きたら、私はきっと元の状態戻るでしょう。</a:t>
+            </a:r>
+          </a:p>
+          <a:p>
+            <a:pPr lvl="1"/>
+            <a:r>
+              <a:rPr/>
+              <a:t>Amazonのギフトカードがコンビニからなくなる</a:t>
+            </a:r>
+          </a:p>
+          <a:p>
+            <a:pPr lvl="1"/>
+            <a:r>
+              <a:rPr/>
+              <a:t>自宅の近くにコンビニができる</a:t>
+            </a:r>
+          </a:p>
+          <a:p>
+            <a:pPr lvl="1"/>
+            <a:r>
+              <a:rPr/>
+              <a:t>「以前よりも意志が強くなったから、クレジットカードを適切に使えると思う」という自身が生まれ、くれっじとカードを再契約する</a:t>
             </a:r>
           </a:p>
         </p:txBody>
@@ -6895,7 +7045,7 @@
             </a:pPr>
             <a:r>
               <a:rPr/>
-              <a:t>元通りになるきっかけ</a:t>
+              <a:t>没施策</a:t>
             </a:r>
           </a:p>
         </p:txBody>
@@ -6920,28 +7070,56 @@
             </a:pPr>
             <a:r>
               <a:rPr/>
-              <a:t>以下のようなことが起きたら、私はきっと元の状態戻るでしょう。</a:t>
+              <a:t>思いついたけど試さなかったこと</a:t>
             </a:r>
           </a:p>
           <a:p>
             <a:pPr lvl="1"/>
             <a:r>
               <a:rPr/>
-              <a:t>Amazonのギフトカードがコンビニからなくなる</a:t>
+              <a:t>Amazonアカウントの削除</a:t>
+            </a:r>
+          </a:p>
+          <a:p>
+            <a:pPr lvl="2"/>
+            <a:r>
+              <a:rPr/>
+              <a:t>Amazonアカウントがなくなれば、もう漫画を購入することはないだろうと考えた</a:t>
+            </a:r>
+          </a:p>
+          <a:p>
+            <a:pPr lvl="2"/>
+            <a:r>
+              <a:rPr/>
+              <a:t>過去に購入した漫画が一切読めなくなるのはつらいので、やめた</a:t>
             </a:r>
           </a:p>
           <a:p>
             <a:pPr lvl="1"/>
             <a:r>
               <a:rPr/>
-              <a:t>自宅の近くにコンビニができる</a:t>
+              <a:t>インターネット回線の解約</a:t>
+            </a:r>
+          </a:p>
+          <a:p>
+            <a:pPr lvl="2"/>
+            <a:r>
+              <a:rPr/>
+              <a:t>インターネットが使えないと仕事ができない</a:t>
             </a:r>
           </a:p>
           <a:p>
             <a:pPr lvl="1"/>
             <a:r>
               <a:rPr/>
-              <a:t>「以前よりも意志が強くなったから、クレジットカードを適切に使えると思う」という自身が生まれ、くれっじとカードを再契約する</a:t>
+              <a:t>スマートフォンの廃棄</a:t>
+            </a:r>
+          </a:p>
+          <a:p>
+            <a:pPr lvl="2"/>
+            <a:r>
+              <a:rPr/>
+              <a:t>スマートフォンありきの世界なので、現代社会を生きられない。。。</a:t>
             </a:r>
           </a:p>
         </p:txBody>
@@ -6988,7 +7166,15 @@
             </a:pPr>
             <a:r>
               <a:rPr/>
-              <a:t>没施策</a:t>
+              <a:t>Kindle</a:t>
+            </a:r>
+            <a:r>
+              <a:rPr/>
+              <a:t> </a:t>
+            </a:r>
+            <a:r>
+              <a:rPr/>
+              <a:t>Unlimited</a:t>
             </a:r>
           </a:p>
         </p:txBody>
@@ -7013,199 +7199,7 @@
             </a:pPr>
             <a:r>
               <a:rPr/>
-              <a:t>思いついたけど試さなかったこと</a:t>
-            </a:r>
-          </a:p>
-          <a:p>
-            <a:pPr lvl="1"/>
-            <a:r>
-              <a:rPr/>
-              <a:t>Amazonアカウントの削除</a:t>
-            </a:r>
-          </a:p>
-          <a:p>
-            <a:pPr lvl="2"/>
-            <a:r>
-              <a:rPr/>
-              <a:t>Amazonアカウントがなくなれば、もう漫画を購入することはないだろうと考えた</a:t>
-            </a:r>
-          </a:p>
-          <a:p>
-            <a:pPr lvl="2"/>
-            <a:r>
-              <a:rPr/>
-              <a:t>過去に購入した漫画が一切読めなくなるのはつらいので、やめた</a:t>
-            </a:r>
-          </a:p>
-          <a:p>
-            <a:pPr lvl="1"/>
-            <a:r>
-              <a:rPr/>
-              <a:t>インターネット回線の解約</a:t>
-            </a:r>
-          </a:p>
-          <a:p>
-            <a:pPr lvl="2"/>
-            <a:r>
-              <a:rPr/>
-              <a:t>インターネットが使えないと仕事ができない</a:t>
-            </a:r>
-          </a:p>
-          <a:p>
-            <a:pPr lvl="1"/>
-            <a:r>
-              <a:rPr/>
-              <a:t>スマートフォンの廃棄</a:t>
-            </a:r>
-          </a:p>
-          <a:p>
-            <a:pPr lvl="2"/>
-            <a:r>
-              <a:rPr/>
-              <a:t>スマートフォンありきの世界なので、現代社会を生きられない。。。</a:t>
-            </a:r>
-          </a:p>
-        </p:txBody>
-      </p:sp>
-    </p:spTree>
-  </p:cSld>
-</p:sld>
-</file>
-
-<file path=ppt/slides/slide27.xml><?xml version="1.0" encoding="utf-8"?>
-<p:sld xmlns:a="http://schemas.openxmlformats.org/drawingml/2006/main" xmlns:r="http://schemas.openxmlformats.org/officeDocument/2006/relationships" xmlns:p="http://schemas.openxmlformats.org/presentationml/2006/main">
-  <p:cSld>
-    <p:spTree>
-      <p:nvGrpSpPr>
-        <p:cNvPr id="1" name=""/>
-        <p:cNvGrpSpPr/>
-        <p:nvPr/>
-      </p:nvGrpSpPr>
-      <p:grpSpPr>
-        <a:xfrm>
-          <a:off x="0" y="0"/>
-          <a:ext cx="0" cy="0"/>
-          <a:chOff x="0" y="0"/>
-          <a:chExt cx="0" cy="0"/>
-        </a:xfrm>
-      </p:grpSpPr>
-      <p:sp>
-        <p:nvSpPr>
-          <p:cNvPr id="2" name="Title 1"/>
-          <p:cNvSpPr>
-            <a:spLocks noGrp="1"/>
-          </p:cNvSpPr>
-          <p:nvPr>
-            <p:ph type="title"/>
-          </p:nvPr>
-        </p:nvSpPr>
-        <p:spPr/>
-        <p:txBody>
-          <a:bodyPr/>
-          <a:lstStyle/>
-          <a:p>
-            <a:pPr lvl="0" marL="0" indent="0">
-              <a:buNone/>
-            </a:pPr>
-            <a:r>
-              <a:rPr/>
-              <a:t>私は依存症？</a:t>
-            </a:r>
-          </a:p>
-        </p:txBody>
-      </p:sp>
-      <p:sp>
-        <p:nvSpPr>
-          <p:cNvPr id="3" name="Content Placeholder 2"/>
-          <p:cNvSpPr>
-            <a:spLocks noGrp="1"/>
-          </p:cNvSpPr>
-          <p:nvPr>
-            <p:ph idx="1"/>
-          </p:nvPr>
-        </p:nvSpPr>
-        <p:spPr/>
-        <p:txBody>
-          <a:bodyPr/>
-          <a:lstStyle/>
-          <a:p>
-            <a:pPr lvl="0" marL="0" indent="0">
-              <a:spcBef>
-                <a:spcPts val="3000"/>
-              </a:spcBef>
-              <a:buNone/>
-            </a:pPr>
-            <a:r>
-              <a:rPr b="1"/>
-              <a:t>依存症の定義</a:t>
-            </a:r>
-          </a:p>
-          <a:p>
-            <a:pPr lvl="0" marL="1270000" indent="0">
-              <a:buNone/>
-            </a:pPr>
-            <a:r>
-              <a:rPr sz="2000"/>
-              <a:t>人が「依存」する対象は様々ですが、代表的なものに、アルコール・薬物・ギャンブル等があります。 このような特定の物質や行為・過程に対して、やめたくても、やめられない</a:t>
-            </a:r>
-            <a:r>
-              <a:rPr sz="2000" b="1"/>
-              <a:t>ほどほど</a:t>
-            </a:r>
-            <a:r>
-              <a:rPr sz="2000"/>
-              <a:t>にできない状態をいわゆる依存症といいます。</a:t>
-            </a:r>
-          </a:p>
-          <a:p>
-            <a:pPr lvl="0" marL="0" indent="0">
-              <a:buNone/>
-            </a:pPr>
-            <a:r>
-              <a:rPr/>
-              <a:t>https://www.mhlw.go.jp/stf/seisakunitsuite/bunya/0000149274.html</a:t>
-            </a:r>
-          </a:p>
-          <a:p>
-            <a:pPr lvl="0" marL="0" indent="0">
-              <a:spcBef>
-                <a:spcPts val="3000"/>
-              </a:spcBef>
-              <a:buNone/>
-            </a:pPr>
-            <a:r>
-              <a:rPr b="1"/>
-              <a:t>依存症の解決方法</a:t>
-            </a:r>
-          </a:p>
-          <a:p>
-            <a:pPr lvl="0" marL="0" indent="0">
-              <a:buNone/>
-            </a:pPr>
-            <a:r>
-              <a:rPr/>
-              <a:t>「止め続ける」。 アルコール依存症の場合は、少量にするのでなく断酒すること。</a:t>
-            </a:r>
-          </a:p>
-          <a:p>
-            <a:pPr lvl="0" marL="0" indent="0">
-              <a:spcBef>
-                <a:spcPts val="3000"/>
-              </a:spcBef>
-              <a:buNone/>
-            </a:pPr>
-            <a:r>
-              <a:rPr b="1"/>
-              <a:t>依存症の解決方法</a:t>
-            </a:r>
-          </a:p>
-          <a:p>
-            <a:pPr lvl="0" marL="0" indent="0">
-              <a:buNone/>
-            </a:pPr>
-            <a:r>
-              <a:rPr/>
-              <a:t>私を「漫画依存症」だと仮定すると、本当は漫画断ちしなくてはいけない。 でも、漫画を断つには、インターネット回線を解約したり、スマートフォンを持たない生活にする必要がある。 現代社会でこれできる？</a:t>
+              <a:t>TODO</a:t>
             </a:r>
           </a:p>
         </p:txBody>
